--- a/คู่มือติดตั้ง BookMeetingRoom.pptx
+++ b/คู่มือติดตั้ง BookMeetingRoom.pptx
@@ -452,7 +452,7 @@
             <a:fld id="{B61BEF0D-F0BB-DE4B-95CE-6DB70DBA9567}" type="datetimeFigureOut">
               <a:rPr lang="en-US" dirty="0"/>
               <a:pPr/>
-              <a:t>11/28/2019</a:t>
+              <a:t>1/13/2020</a:t>
             </a:fld>
             <a:endParaRPr lang="en-US" dirty="0"/>
           </a:p>
@@ -773,7 +773,7 @@
             <a:fld id="{B61BEF0D-F0BB-DE4B-95CE-6DB70DBA9567}" type="datetimeFigureOut">
               <a:rPr lang="en-US" dirty="0"/>
               <a:pPr/>
-              <a:t>11/28/2019</a:t>
+              <a:t>1/13/2020</a:t>
             </a:fld>
             <a:endParaRPr lang="en-US" dirty="0"/>
           </a:p>
@@ -1018,7 +1018,7 @@
             <a:fld id="{B61BEF0D-F0BB-DE4B-95CE-6DB70DBA9567}" type="datetimeFigureOut">
               <a:rPr lang="en-US" dirty="0"/>
               <a:pPr/>
-              <a:t>11/28/2019</a:t>
+              <a:t>1/13/2020</a:t>
             </a:fld>
             <a:endParaRPr lang="en-US" dirty="0"/>
           </a:p>
@@ -1354,7 +1354,7 @@
             <a:fld id="{B61BEF0D-F0BB-DE4B-95CE-6DB70DBA9567}" type="datetimeFigureOut">
               <a:rPr lang="en-US" dirty="0"/>
               <a:pPr/>
-              <a:t>11/28/2019</a:t>
+              <a:t>1/13/2020</a:t>
             </a:fld>
             <a:endParaRPr lang="en-US" dirty="0"/>
           </a:p>
@@ -1698,7 +1698,7 @@
             <a:fld id="{B61BEF0D-F0BB-DE4B-95CE-6DB70DBA9567}" type="datetimeFigureOut">
               <a:rPr lang="en-US" dirty="0"/>
               <a:pPr/>
-              <a:t>11/28/2019</a:t>
+              <a:t>1/13/2020</a:t>
             </a:fld>
             <a:endParaRPr lang="en-US" dirty="0"/>
           </a:p>
@@ -2069,7 +2069,7 @@
             <a:fld id="{B61BEF0D-F0BB-DE4B-95CE-6DB70DBA9567}" type="datetimeFigureOut">
               <a:rPr lang="en-US" dirty="0"/>
               <a:pPr/>
-              <a:t>11/28/2019</a:t>
+              <a:t>1/13/2020</a:t>
             </a:fld>
             <a:endParaRPr lang="en-US" dirty="0"/>
           </a:p>
@@ -2536,7 +2536,7 @@
             <a:fld id="{B61BEF0D-F0BB-DE4B-95CE-6DB70DBA9567}" type="datetimeFigureOut">
               <a:rPr lang="en-US" dirty="0"/>
               <a:pPr/>
-              <a:t>11/28/2019</a:t>
+              <a:t>1/13/2020</a:t>
             </a:fld>
             <a:endParaRPr lang="en-US" dirty="0"/>
           </a:p>
@@ -2738,7 +2738,7 @@
             <a:fld id="{B61BEF0D-F0BB-DE4B-95CE-6DB70DBA9567}" type="datetimeFigureOut">
               <a:rPr lang="en-US" dirty="0"/>
               <a:pPr/>
-              <a:t>11/28/2019</a:t>
+              <a:t>1/13/2020</a:t>
             </a:fld>
             <a:endParaRPr lang="en-US" dirty="0"/>
           </a:p>
@@ -2946,7 +2946,7 @@
             <a:fld id="{B61BEF0D-F0BB-DE4B-95CE-6DB70DBA9567}" type="datetimeFigureOut">
               <a:rPr lang="en-US" dirty="0"/>
               <a:pPr/>
-              <a:t>11/28/2019</a:t>
+              <a:t>1/13/2020</a:t>
             </a:fld>
             <a:endParaRPr lang="en-US" dirty="0"/>
           </a:p>
@@ -3174,7 +3174,7 @@
           <a:p>
             <a:fld id="{05BFA754-D5C3-4E66-96A6-867B257F58DC}" type="datetimeFigureOut">
               <a:rPr lang="en-US" dirty="0"/>
-              <a:t>11/28/2019</a:t>
+              <a:t>1/13/2020</a:t>
             </a:fld>
             <a:endParaRPr lang="en-US" dirty="0"/>
           </a:p>
@@ -3418,7 +3418,7 @@
             <a:fld id="{B61BEF0D-F0BB-DE4B-95CE-6DB70DBA9567}" type="datetimeFigureOut">
               <a:rPr lang="en-US" dirty="0"/>
               <a:pPr/>
-              <a:t>11/28/2019</a:t>
+              <a:t>1/13/2020</a:t>
             </a:fld>
             <a:endParaRPr lang="en-US" dirty="0"/>
           </a:p>
@@ -3681,7 +3681,7 @@
           <a:p>
             <a:fld id="{05BFA754-D5C3-4E66-96A6-867B257F58DC}" type="datetimeFigureOut">
               <a:rPr lang="en-US" dirty="0"/>
-              <a:t>11/28/2019</a:t>
+              <a:t>1/13/2020</a:t>
             </a:fld>
             <a:endParaRPr lang="en-US" dirty="0"/>
           </a:p>
@@ -4090,7 +4090,7 @@
             <a:fld id="{B61BEF0D-F0BB-DE4B-95CE-6DB70DBA9567}" type="datetimeFigureOut">
               <a:rPr lang="en-US" dirty="0"/>
               <a:pPr/>
-              <a:t>11/28/2019</a:t>
+              <a:t>1/13/2020</a:t>
             </a:fld>
             <a:endParaRPr lang="en-US" dirty="0"/>
           </a:p>
@@ -4236,7 +4236,7 @@
             <a:fld id="{B61BEF0D-F0BB-DE4B-95CE-6DB70DBA9567}" type="datetimeFigureOut">
               <a:rPr lang="en-US" dirty="0"/>
               <a:pPr/>
-              <a:t>11/28/2019</a:t>
+              <a:t>1/13/2020</a:t>
             </a:fld>
             <a:endParaRPr lang="en-US" dirty="0"/>
           </a:p>
@@ -4359,7 +4359,7 @@
             <a:fld id="{B61BEF0D-F0BB-DE4B-95CE-6DB70DBA9567}" type="datetimeFigureOut">
               <a:rPr lang="en-US" dirty="0"/>
               <a:pPr/>
-              <a:t>11/28/2019</a:t>
+              <a:t>1/13/2020</a:t>
             </a:fld>
             <a:endParaRPr lang="en-US" dirty="0"/>
           </a:p>
@@ -4611,7 +4611,7 @@
             <a:fld id="{B61BEF0D-F0BB-DE4B-95CE-6DB70DBA9567}" type="datetimeFigureOut">
               <a:rPr lang="en-US" dirty="0"/>
               <a:pPr/>
-              <a:t>11/28/2019</a:t>
+              <a:t>1/13/2020</a:t>
             </a:fld>
             <a:endParaRPr lang="en-US" dirty="0"/>
           </a:p>
@@ -4923,7 +4923,7 @@
             <a:fld id="{B61BEF0D-F0BB-DE4B-95CE-6DB70DBA9567}" type="datetimeFigureOut">
               <a:rPr lang="en-US" dirty="0"/>
               <a:pPr/>
-              <a:t>11/28/2019</a:t>
+              <a:t>1/13/2020</a:t>
             </a:fld>
             <a:endParaRPr lang="en-US" dirty="0"/>
           </a:p>
@@ -5271,7 +5271,7 @@
             <a:fld id="{B61BEF0D-F0BB-DE4B-95CE-6DB70DBA9567}" type="datetimeFigureOut">
               <a:rPr lang="en-US" dirty="0"/>
               <a:pPr/>
-              <a:t>11/28/2019</a:t>
+              <a:t>1/13/2020</a:t>
             </a:fld>
             <a:endParaRPr lang="en-US" dirty="0"/>
           </a:p>
@@ -7090,38 +7090,31 @@
               <a:buNone/>
             </a:pPr>
             <a:r>
-              <a:rPr lang="th-TH" dirty="0" smtClean="0"/>
+              <a:rPr lang="th-TH" dirty="0"/>
               <a:t>เข้าไป </a:t>
             </a:r>
             <a:r>
               <a:rPr lang="en-US" dirty="0">
                 <a:hlinkClick r:id="rId2"/>
               </a:rPr>
-              <a:t>http://</a:t>
-            </a:r>
-            <a:r>
-              <a:rPr lang="en-US" dirty="0" smtClean="0">
-                <a:hlinkClick r:id="rId2"/>
-              </a:rPr>
-              <a:t>localhost:8080/manager/html</a:t>
-            </a:r>
-            <a:r>
-              <a:rPr lang="th-TH" dirty="0" smtClean="0"/>
+              <a:t>http://localhost:8080/manager/html</a:t>
+            </a:r>
+            <a:r>
+              <a:rPr lang="th-TH" dirty="0"/>
               <a:t> ที่เครื่อง </a:t>
             </a:r>
             <a:r>
-              <a:rPr lang="en-US" dirty="0" smtClean="0"/>
+              <a:rPr lang="en-US" dirty="0"/>
               <a:t>server </a:t>
             </a:r>
             <a:r>
-              <a:rPr lang="th-TH" dirty="0" smtClean="0"/>
+              <a:rPr lang="th-TH" dirty="0"/>
               <a:t>แล้วกด </a:t>
             </a:r>
             <a:r>
-              <a:rPr lang="en-US" dirty="0" smtClean="0"/>
+              <a:rPr lang="en-US" dirty="0"/>
               <a:t>Start </a:t>
             </a:r>
-            <a:endParaRPr lang="en-US" dirty="0"/>
           </a:p>
         </p:txBody>
       </p:sp>
@@ -7203,7 +7196,7 @@
         </p:nvSpPr>
         <p:spPr>
           <a:xfrm>
-            <a:off x="2430162" y="1861751"/>
+            <a:off x="2243730" y="1772975"/>
             <a:ext cx="1128584" cy="197708"/>
           </a:xfrm>
           <a:prstGeom prst="rect">
